--- a/Syed_Abdul_Rahim.pptx
+++ b/Syed_Abdul_Rahim.pptx
@@ -263,7 +263,7 @@
           <a:p>
             <a:fld id="{6E5C0719-993D-42E1-80ED-8F01056F36C2}" type="datetimeFigureOut">
               <a:rPr lang="en-US" smtClean="0"/>
-              <a:t>9/5/2023</a:t>
+              <a:t>9/6/2023</a:t>
             </a:fld>
             <a:endParaRPr lang="en-US" dirty="0"/>
           </a:p>
@@ -440,7 +440,7 @@
           <a:p>
             <a:fld id="{21D3BC9C-6C58-464F-B94E-FD73C5FB016E}" type="datetimeFigureOut">
               <a:rPr lang="en-US" smtClean="0"/>
-              <a:t>9/5/2023</a:t>
+              <a:t>9/6/2023</a:t>
             </a:fld>
             <a:endParaRPr lang="en-US" dirty="0"/>
           </a:p>
@@ -1190,7 +1190,7 @@
           <a:p>
             <a:fld id="{40DA1498-92C7-4E4B-8045-C9195F453964}" type="datetimeFigureOut">
               <a:rPr lang="en-US" smtClean="0"/>
-              <a:t>9/5/2023</a:t>
+              <a:t>9/6/2023</a:t>
             </a:fld>
             <a:endParaRPr lang="en-US" dirty="0"/>
           </a:p>
@@ -1388,7 +1388,7 @@
           <a:p>
             <a:fld id="{40DA1498-92C7-4E4B-8045-C9195F453964}" type="datetimeFigureOut">
               <a:rPr lang="en-US" smtClean="0"/>
-              <a:t>9/5/2023</a:t>
+              <a:t>9/6/2023</a:t>
             </a:fld>
             <a:endParaRPr lang="en-US" dirty="0"/>
           </a:p>
@@ -1596,7 +1596,7 @@
           <a:p>
             <a:fld id="{40DA1498-92C7-4E4B-8045-C9195F453964}" type="datetimeFigureOut">
               <a:rPr lang="en-US" smtClean="0"/>
-              <a:t>9/5/2023</a:t>
+              <a:t>9/6/2023</a:t>
             </a:fld>
             <a:endParaRPr lang="en-US" dirty="0"/>
           </a:p>
@@ -1794,7 +1794,7 @@
           <a:p>
             <a:fld id="{40DA1498-92C7-4E4B-8045-C9195F453964}" type="datetimeFigureOut">
               <a:rPr lang="en-US" smtClean="0"/>
-              <a:t>9/5/2023</a:t>
+              <a:t>9/6/2023</a:t>
             </a:fld>
             <a:endParaRPr lang="en-US" dirty="0"/>
           </a:p>
@@ -2069,7 +2069,7 @@
           <a:p>
             <a:fld id="{40DA1498-92C7-4E4B-8045-C9195F453964}" type="datetimeFigureOut">
               <a:rPr lang="en-US" smtClean="0"/>
-              <a:t>9/5/2023</a:t>
+              <a:t>9/6/2023</a:t>
             </a:fld>
             <a:endParaRPr lang="en-US" dirty="0"/>
           </a:p>
@@ -2334,7 +2334,7 @@
           <a:p>
             <a:fld id="{40DA1498-92C7-4E4B-8045-C9195F453964}" type="datetimeFigureOut">
               <a:rPr lang="en-US" smtClean="0"/>
-              <a:t>9/5/2023</a:t>
+              <a:t>9/6/2023</a:t>
             </a:fld>
             <a:endParaRPr lang="en-US" dirty="0"/>
           </a:p>
@@ -2746,7 +2746,7 @@
           <a:p>
             <a:fld id="{40DA1498-92C7-4E4B-8045-C9195F453964}" type="datetimeFigureOut">
               <a:rPr lang="en-US" smtClean="0"/>
-              <a:t>9/5/2023</a:t>
+              <a:t>9/6/2023</a:t>
             </a:fld>
             <a:endParaRPr lang="en-US" dirty="0"/>
           </a:p>
@@ -2887,7 +2887,7 @@
           <a:p>
             <a:fld id="{40DA1498-92C7-4E4B-8045-C9195F453964}" type="datetimeFigureOut">
               <a:rPr lang="en-US" smtClean="0"/>
-              <a:t>9/5/2023</a:t>
+              <a:t>9/6/2023</a:t>
             </a:fld>
             <a:endParaRPr lang="en-US" dirty="0"/>
           </a:p>
@@ -3000,7 +3000,7 @@
           <a:p>
             <a:fld id="{40DA1498-92C7-4E4B-8045-C9195F453964}" type="datetimeFigureOut">
               <a:rPr lang="en-US" smtClean="0"/>
-              <a:t>9/5/2023</a:t>
+              <a:t>9/6/2023</a:t>
             </a:fld>
             <a:endParaRPr lang="en-US" dirty="0"/>
           </a:p>
@@ -3311,7 +3311,7 @@
           <a:p>
             <a:fld id="{40DA1498-92C7-4E4B-8045-C9195F453964}" type="datetimeFigureOut">
               <a:rPr lang="en-US" smtClean="0"/>
-              <a:t>9/5/2023</a:t>
+              <a:t>9/6/2023</a:t>
             </a:fld>
             <a:endParaRPr lang="en-US" dirty="0"/>
           </a:p>
@@ -3603,7 +3603,7 @@
           <a:p>
             <a:fld id="{40DA1498-92C7-4E4B-8045-C9195F453964}" type="datetimeFigureOut">
               <a:rPr lang="en-US" smtClean="0"/>
-              <a:t>9/5/2023</a:t>
+              <a:t>9/6/2023</a:t>
             </a:fld>
             <a:endParaRPr lang="en-US" dirty="0"/>
           </a:p>
@@ -3844,7 +3844,7 @@
           <a:p>
             <a:fld id="{40DA1498-92C7-4E4B-8045-C9195F453964}" type="datetimeFigureOut">
               <a:rPr lang="en-US" smtClean="0"/>
-              <a:t>9/5/2023</a:t>
+              <a:t>9/6/2023</a:t>
             </a:fld>
             <a:endParaRPr lang="en-US" dirty="0"/>
           </a:p>
@@ -4382,7 +4382,15 @@
                   <a:schemeClr val="accent4"/>
                 </a:solidFill>
               </a:rPr>
-              <a:t>Leena</a:t>
+              <a:t>Leena </a:t>
+            </a:r>
+            <a:r>
+              <a:rPr lang="en-US" sz="2800" dirty="0" err="1">
+                <a:solidFill>
+                  <a:schemeClr val="accent4"/>
+                </a:solidFill>
+              </a:rPr>
+              <a:t>Orpe</a:t>
             </a:r>
             <a:endParaRPr lang="en-US" sz="4400" dirty="0">
               <a:solidFill>
@@ -30067,8 +30075,8 @@
         </p:nvSpPr>
         <p:spPr bwMode="auto">
           <a:xfrm>
-            <a:off x="838200" y="1497885"/>
-            <a:ext cx="10668000" cy="5006821"/>
+            <a:off x="838200" y="1336303"/>
+            <a:ext cx="10668000" cy="5329986"/>
           </a:xfrm>
           <a:prstGeom prst="rect">
             <a:avLst/>
@@ -30413,8 +30421,36 @@
                 </a:solidFill>
                 <a:latin typeface="+mj-lt"/>
               </a:rPr>
-              <a:t>Identifying columns which have similar values, which needs a correlation, to see if a primary column identified from above can replace the presence of other columns, like Funded Amount and Funded Amount by Investor can be dropped and Loan Amount can be used in that place.</a:t>
+              <a:t>Identifying null valued columns with certain threshold to be dropped</a:t>
             </a:r>
+          </a:p>
+          <a:p>
+            <a:pPr marL="342900" indent="-342900">
+              <a:lnSpc>
+                <a:spcPct val="150000"/>
+              </a:lnSpc>
+              <a:buFontTx/>
+              <a:buAutoNum type="arabicPeriod"/>
+            </a:pPr>
+            <a:r>
+              <a:rPr lang="en-US" altLang="en-US" sz="1400" dirty="0">
+                <a:solidFill>
+                  <a:srgbClr val="000000"/>
+                </a:solidFill>
+                <a:latin typeface="+mj-lt"/>
+              </a:rPr>
+              <a:t>Identifying null valued rows with certain threshold to be dropped</a:t>
+            </a:r>
+            <a:endParaRPr kumimoji="0" lang="en-US" altLang="en-US" sz="1400" b="0" i="0" u="none" strike="noStrike" cap="none" normalizeH="0" baseline="0" dirty="0">
+              <a:ln>
+                <a:noFill/>
+              </a:ln>
+              <a:solidFill>
+                <a:schemeClr val="tx1"/>
+              </a:solidFill>
+              <a:effectLst/>
+              <a:latin typeface="+mj-lt"/>
+            </a:endParaRPr>
           </a:p>
           <a:p>
             <a:pPr marL="342900" marR="0" lvl="0" indent="-342900" algn="l" defTabSz="914400" rtl="0" eaLnBrk="0" fontAlgn="base" latinLnBrk="0" hangingPunct="0">
@@ -30433,16 +30469,15 @@
               <a:buAutoNum type="arabicPeriod"/>
               <a:tabLst/>
             </a:pPr>
-            <a:endParaRPr kumimoji="0" lang="en-US" altLang="en-US" sz="1400" b="0" i="0" u="none" strike="noStrike" cap="none" normalizeH="0" baseline="0" dirty="0">
-              <a:ln>
-                <a:noFill/>
-              </a:ln>
-              <a:solidFill>
-                <a:schemeClr val="tx1"/>
-              </a:solidFill>
-              <a:effectLst/>
-              <a:latin typeface="+mj-lt"/>
-            </a:endParaRPr>
+            <a:r>
+              <a:rPr lang="en-US" altLang="en-US" sz="1400" dirty="0">
+                <a:solidFill>
+                  <a:srgbClr val="000000"/>
+                </a:solidFill>
+                <a:latin typeface="+mj-lt"/>
+              </a:rPr>
+              <a:t>Identifying columns which have similar values, which needs a correlation, to see if a primary column identified from above can replace the presence of other columns, like Funded Amount and Funded Amount by Investor can be dropped and Loan Amount can be used in that place.</a:t>
+            </a:r>
           </a:p>
         </p:txBody>
       </p:sp>
@@ -32172,6 +32207,23 @@
 </file>
 
 <file path=customXml/item1.xml><?xml version="1.0" encoding="utf-8"?>
+<p:properties xmlns:p="http://schemas.microsoft.com/office/2006/metadata/properties" xmlns:xsi="http://www.w3.org/2001/XMLSchema-instance" xmlns:pc="http://schemas.microsoft.com/office/infopath/2007/PartnerControls">
+  <documentManagement>
+    <MediaServiceKeyPoints xmlns="71af3243-3dd4-4a8d-8c0d-dd76da1f02a5" xsi:nil="true"/>
+  </documentManagement>
+</p:properties>
+</file>
+
+<file path=customXml/item2.xml><?xml version="1.0" encoding="utf-8"?>
+<?mso-contentType ?>
+<FormTemplates xmlns="http://schemas.microsoft.com/sharepoint/v3/contenttype/forms">
+  <Display>DocumentLibraryForm</Display>
+  <Edit>DocumentLibraryForm</Edit>
+  <New>DocumentLibraryForm</New>
+</FormTemplates>
+</file>
+
+<file path=customXml/item3.xml><?xml version="1.0" encoding="utf-8"?>
 <ct:contentTypeSchema xmlns:ct="http://schemas.microsoft.com/office/2006/metadata/contentType" xmlns:ma="http://schemas.microsoft.com/office/2006/metadata/properties/metaAttributes" ct:_="" ma:_="" ma:contentTypeName="Document" ma:contentTypeID="0x01010079F111ED35F8CC479449609E8A0923A6" ma:contentTypeVersion="11" ma:contentTypeDescription="Create a new document." ma:contentTypeScope="" ma:versionID="9677210f24a1be23c92c90fd886aa0aa">
   <xsd:schema xmlns:xsd="http://www.w3.org/2001/XMLSchema" xmlns:xs="http://www.w3.org/2001/XMLSchema" xmlns:p="http://schemas.microsoft.com/office/2006/metadata/properties" xmlns:ns2="71af3243-3dd4-4a8d-8c0d-dd76da1f02a5" xmlns:ns3="16c05727-aa75-4e4a-9b5f-8a80a1165891" targetNamespace="http://schemas.microsoft.com/office/2006/metadata/properties" ma:root="true" ma:fieldsID="60e05723c5c1908df1a1a4ebf11d344e" ns2:_="" ns3:_="">
     <xsd:import namespace="71af3243-3dd4-4a8d-8c0d-dd76da1f02a5"/>
@@ -32382,24 +32434,32 @@
 </ct:contentTypeSchema>
 </file>
 
-<file path=customXml/item2.xml><?xml version="1.0" encoding="utf-8"?>
-<?mso-contentType ?>
-<FormTemplates xmlns="http://schemas.microsoft.com/sharepoint/v3/contenttype/forms">
-  <Display>DocumentLibraryForm</Display>
-  <Edit>DocumentLibraryForm</Edit>
-  <New>DocumentLibraryForm</New>
-</FormTemplates>
+<file path=customXml/itemProps1.xml><?xml version="1.0" encoding="utf-8"?>
+<ds:datastoreItem xmlns:ds="http://schemas.openxmlformats.org/officeDocument/2006/customXml" ds:itemID="{EF609EDA-869E-4BE5-AE5D-B898C584B6FF}">
+  <ds:schemaRefs>
+    <ds:schemaRef ds:uri="http://purl.org/dc/dcmitype/"/>
+    <ds:schemaRef ds:uri="http://schemas.microsoft.com/office/2006/documentManagement/types"/>
+    <ds:schemaRef ds:uri="http://schemas.microsoft.com/office/2006/metadata/properties"/>
+    <ds:schemaRef ds:uri="http://www.w3.org/XML/1998/namespace"/>
+    <ds:schemaRef ds:uri="71af3243-3dd4-4a8d-8c0d-dd76da1f02a5"/>
+    <ds:schemaRef ds:uri="http://schemas.microsoft.com/office/infopath/2007/PartnerControls"/>
+    <ds:schemaRef ds:uri="http://purl.org/dc/terms/"/>
+    <ds:schemaRef ds:uri="http://schemas.openxmlformats.org/package/2006/metadata/core-properties"/>
+    <ds:schemaRef ds:uri="16c05727-aa75-4e4a-9b5f-8a80a1165891"/>
+    <ds:schemaRef ds:uri="http://purl.org/dc/elements/1.1/"/>
+  </ds:schemaRefs>
+</ds:datastoreItem>
 </file>
 
-<file path=customXml/item3.xml><?xml version="1.0" encoding="utf-8"?>
-<p:properties xmlns:p="http://schemas.microsoft.com/office/2006/metadata/properties" xmlns:xsi="http://www.w3.org/2001/XMLSchema-instance" xmlns:pc="http://schemas.microsoft.com/office/infopath/2007/PartnerControls">
-  <documentManagement>
-    <MediaServiceKeyPoints xmlns="71af3243-3dd4-4a8d-8c0d-dd76da1f02a5" xsi:nil="true"/>
-  </documentManagement>
-</p:properties>
+<file path=customXml/itemProps2.xml><?xml version="1.0" encoding="utf-8"?>
+<ds:datastoreItem xmlns:ds="http://schemas.openxmlformats.org/officeDocument/2006/customXml" ds:itemID="{2FD05317-60D6-4B3A-8545-888496D1A8EC}">
+  <ds:schemaRefs>
+    <ds:schemaRef ds:uri="http://schemas.microsoft.com/sharepoint/v3/contenttype/forms"/>
+  </ds:schemaRefs>
+</ds:datastoreItem>
 </file>
 
-<file path=customXml/itemProps1.xml><?xml version="1.0" encoding="utf-8"?>
+<file path=customXml/itemProps3.xml><?xml version="1.0" encoding="utf-8"?>
 <ds:datastoreItem xmlns:ds="http://schemas.openxmlformats.org/officeDocument/2006/customXml" ds:itemID="{61A00BBF-EEBB-4E18-B8CB-F926EAAC48F7}">
   <ds:schemaRefs>
     <ds:schemaRef ds:uri="http://schemas.microsoft.com/office/2006/metadata/contentType"/>
@@ -32416,29 +32476,4 @@
     <ds:schemaRef ds:uri="http://schemas.microsoft.com/internal/obd"/>
   </ds:schemaRefs>
 </ds:datastoreItem>
-</file>
-
-<file path=customXml/itemProps2.xml><?xml version="1.0" encoding="utf-8"?>
-<ds:datastoreItem xmlns:ds="http://schemas.openxmlformats.org/officeDocument/2006/customXml" ds:itemID="{2FD05317-60D6-4B3A-8545-888496D1A8EC}">
-  <ds:schemaRefs>
-    <ds:schemaRef ds:uri="http://schemas.microsoft.com/sharepoint/v3/contenttype/forms"/>
-  </ds:schemaRefs>
-</ds:datastoreItem>
-</file>
-
-<file path=customXml/itemProps3.xml><?xml version="1.0" encoding="utf-8"?>
-<ds:datastoreItem xmlns:ds="http://schemas.openxmlformats.org/officeDocument/2006/customXml" ds:itemID="{EF609EDA-869E-4BE5-AE5D-B898C584B6FF}">
-  <ds:schemaRefs>
-    <ds:schemaRef ds:uri="http://purl.org/dc/dcmitype/"/>
-    <ds:schemaRef ds:uri="http://schemas.microsoft.com/office/2006/documentManagement/types"/>
-    <ds:schemaRef ds:uri="http://schemas.microsoft.com/office/2006/metadata/properties"/>
-    <ds:schemaRef ds:uri="http://schemas.openxmlformats.org/package/2006/metadata/core-properties"/>
-    <ds:schemaRef ds:uri="http://schemas.microsoft.com/office/infopath/2007/PartnerControls"/>
-    <ds:schemaRef ds:uri="http://purl.org/dc/elements/1.1/"/>
-    <ds:schemaRef ds:uri="16c05727-aa75-4e4a-9b5f-8a80a1165891"/>
-    <ds:schemaRef ds:uri="http://purl.org/dc/terms/"/>
-    <ds:schemaRef ds:uri="71af3243-3dd4-4a8d-8c0d-dd76da1f02a5"/>
-    <ds:schemaRef ds:uri="http://www.w3.org/XML/1998/namespace"/>
-  </ds:schemaRefs>
-</ds:datastoreItem>
 </file>